--- a/HW/HW_13/Iodine sales forecast for China market.pptx
+++ b/HW/HW_13/Iodine sales forecast for China market.pptx
@@ -10,7 +10,10 @@
     <p:sldId id="258" r:id="rId4"/>
     <p:sldId id="260" r:id="rId5"/>
     <p:sldId id="261" r:id="rId6"/>
-    <p:sldId id="262" r:id="rId7"/>
+    <p:sldId id="263" r:id="rId7"/>
+    <p:sldId id="264" r:id="rId8"/>
+    <p:sldId id="265" r:id="rId9"/>
+    <p:sldId id="262" r:id="rId10"/>
   </p:sldIdLst>
   <p:sldSz cx="12192000" cy="6858000"/>
   <p:notesSz cx="6858000" cy="9144000"/>
@@ -356,7 +359,7 @@
           <a:p>
             <a:fld id="{380F49DC-60FE-4C75-8957-547D92C009A9}" type="datetimeFigureOut">
               <a:rPr lang="en-CA" smtClean="0"/>
-              <a:t>2023-08-01</a:t>
+              <a:t>2023-08-08</a:t>
             </a:fld>
             <a:endParaRPr lang="en-CA"/>
           </a:p>
@@ -556,7 +559,7 @@
           <a:p>
             <a:fld id="{380F49DC-60FE-4C75-8957-547D92C009A9}" type="datetimeFigureOut">
               <a:rPr lang="en-CA" smtClean="0"/>
-              <a:t>2023-08-01</a:t>
+              <a:t>2023-08-08</a:t>
             </a:fld>
             <a:endParaRPr lang="en-CA"/>
           </a:p>
@@ -766,7 +769,7 @@
           <a:p>
             <a:fld id="{380F49DC-60FE-4C75-8957-547D92C009A9}" type="datetimeFigureOut">
               <a:rPr lang="en-CA" smtClean="0"/>
-              <a:t>2023-08-01</a:t>
+              <a:t>2023-08-08</a:t>
             </a:fld>
             <a:endParaRPr lang="en-CA"/>
           </a:p>
@@ -966,7 +969,7 @@
           <a:p>
             <a:fld id="{380F49DC-60FE-4C75-8957-547D92C009A9}" type="datetimeFigureOut">
               <a:rPr lang="en-CA" smtClean="0"/>
-              <a:t>2023-08-01</a:t>
+              <a:t>2023-08-08</a:t>
             </a:fld>
             <a:endParaRPr lang="en-CA"/>
           </a:p>
@@ -1242,7 +1245,7 @@
           <a:p>
             <a:fld id="{380F49DC-60FE-4C75-8957-547D92C009A9}" type="datetimeFigureOut">
               <a:rPr lang="en-CA" smtClean="0"/>
-              <a:t>2023-08-01</a:t>
+              <a:t>2023-08-08</a:t>
             </a:fld>
             <a:endParaRPr lang="en-CA"/>
           </a:p>
@@ -1510,7 +1513,7 @@
           <a:p>
             <a:fld id="{380F49DC-60FE-4C75-8957-547D92C009A9}" type="datetimeFigureOut">
               <a:rPr lang="en-CA" smtClean="0"/>
-              <a:t>2023-08-01</a:t>
+              <a:t>2023-08-08</a:t>
             </a:fld>
             <a:endParaRPr lang="en-CA"/>
           </a:p>
@@ -1925,7 +1928,7 @@
           <a:p>
             <a:fld id="{380F49DC-60FE-4C75-8957-547D92C009A9}" type="datetimeFigureOut">
               <a:rPr lang="en-CA" smtClean="0"/>
-              <a:t>2023-08-01</a:t>
+              <a:t>2023-08-08</a:t>
             </a:fld>
             <a:endParaRPr lang="en-CA"/>
           </a:p>
@@ -2067,7 +2070,7 @@
           <a:p>
             <a:fld id="{380F49DC-60FE-4C75-8957-547D92C009A9}" type="datetimeFigureOut">
               <a:rPr lang="en-CA" smtClean="0"/>
-              <a:t>2023-08-01</a:t>
+              <a:t>2023-08-08</a:t>
             </a:fld>
             <a:endParaRPr lang="en-CA"/>
           </a:p>
@@ -2180,7 +2183,7 @@
           <a:p>
             <a:fld id="{380F49DC-60FE-4C75-8957-547D92C009A9}" type="datetimeFigureOut">
               <a:rPr lang="en-CA" smtClean="0"/>
-              <a:t>2023-08-01</a:t>
+              <a:t>2023-08-08</a:t>
             </a:fld>
             <a:endParaRPr lang="en-CA"/>
           </a:p>
@@ -2493,7 +2496,7 @@
           <a:p>
             <a:fld id="{380F49DC-60FE-4C75-8957-547D92C009A9}" type="datetimeFigureOut">
               <a:rPr lang="en-CA" smtClean="0"/>
-              <a:t>2023-08-01</a:t>
+              <a:t>2023-08-08</a:t>
             </a:fld>
             <a:endParaRPr lang="en-CA"/>
           </a:p>
@@ -2782,7 +2785,7 @@
           <a:p>
             <a:fld id="{380F49DC-60FE-4C75-8957-547D92C009A9}" type="datetimeFigureOut">
               <a:rPr lang="en-CA" smtClean="0"/>
-              <a:t>2023-08-01</a:t>
+              <a:t>2023-08-08</a:t>
             </a:fld>
             <a:endParaRPr lang="en-CA"/>
           </a:p>
@@ -3025,7 +3028,7 @@
           <a:p>
             <a:fld id="{380F49DC-60FE-4C75-8957-547D92C009A9}" type="datetimeFigureOut">
               <a:rPr lang="en-CA" smtClean="0"/>
-              <a:t>2023-08-01</a:t>
+              <a:t>2023-08-08</a:t>
             </a:fld>
             <a:endParaRPr lang="en-CA"/>
           </a:p>
@@ -3464,42 +3467,13 @@
           <a:lstStyle/>
           <a:p>
             <a:r>
+              <a:rPr lang="en-US" baseline="30000" dirty="0"/>
+              <a:t>125</a:t>
+            </a:r>
+            <a:r>
               <a:rPr lang="en-US" dirty="0"/>
-              <a:t>Iodine sales forecast </a:t>
-            </a:r>
-            <a:r>
-              <a:rPr lang="en-US"/>
-              <a:t>for Chinese </a:t>
-            </a:r>
-            <a:r>
-              <a:rPr lang="en-US" dirty="0"/>
-              <a:t>market</a:t>
-            </a:r>
-            <a:endParaRPr lang="en-CA" dirty="0"/>
-          </a:p>
-        </p:txBody>
-      </p:sp>
-      <p:sp>
-        <p:nvSpPr>
-          <p:cNvPr id="3" name="Subtitle 2">
-            <a:extLst>
-              <a:ext uri="{FF2B5EF4-FFF2-40B4-BE49-F238E27FC236}">
-                <a16:creationId xmlns:a16="http://schemas.microsoft.com/office/drawing/2014/main" id="{22F7C5AD-ABA5-BBFD-0481-A8E3FFBF7233}"/>
-              </a:ext>
-            </a:extLst>
-          </p:cNvPr>
-          <p:cNvSpPr>
-            <a:spLocks noGrp="1"/>
-          </p:cNvSpPr>
-          <p:nvPr>
-            <p:ph type="subTitle" idx="1"/>
-          </p:nvPr>
-        </p:nvSpPr>
-        <p:spPr/>
-        <p:txBody>
-          <a:bodyPr/>
-          <a:lstStyle/>
-          <a:p>
+              <a:t>I Iodine sales forecast</a:t>
+            </a:r>
             <a:endParaRPr lang="en-CA" dirty="0"/>
           </a:p>
         </p:txBody>
@@ -3557,7 +3531,7 @@
           <a:p>
             <a:r>
               <a:rPr lang="en-US" dirty="0"/>
-              <a:t>I-125 radioisotope for cancer therapy</a:t>
+              <a:t>I-125: radioisotope for cancer therapy</a:t>
             </a:r>
             <a:endParaRPr lang="en-CA" dirty="0"/>
           </a:p>
@@ -3587,7 +3561,7 @@
         </p:blipFill>
         <p:spPr>
           <a:xfrm>
-            <a:off x="1051414" y="1690688"/>
+            <a:off x="1659719" y="1658817"/>
             <a:ext cx="2959952" cy="4351338"/>
           </a:xfrm>
         </p:spPr>
@@ -3614,7 +3588,7 @@
         </p:blipFill>
         <p:spPr>
           <a:xfrm>
-            <a:off x="5915813" y="1669441"/>
+            <a:off x="6423813" y="1648194"/>
             <a:ext cx="4677428" cy="4372585"/>
           </a:xfrm>
           <a:prstGeom prst="rect">
@@ -3622,6 +3596,53 @@
           </a:prstGeom>
         </p:spPr>
       </p:pic>
+      <p:sp>
+        <p:nvSpPr>
+          <p:cNvPr id="3" name="Arrow: Right 2">
+            <a:extLst>
+              <a:ext uri="{FF2B5EF4-FFF2-40B4-BE49-F238E27FC236}">
+                <a16:creationId xmlns:a16="http://schemas.microsoft.com/office/drawing/2014/main" id="{D400B50B-03CD-AC4C-149F-1E26A5E19686}"/>
+              </a:ext>
+            </a:extLst>
+          </p:cNvPr>
+          <p:cNvSpPr/>
+          <p:nvPr/>
+        </p:nvSpPr>
+        <p:spPr>
+          <a:xfrm>
+            <a:off x="5090160" y="2509520"/>
+            <a:ext cx="1333653" cy="2560320"/>
+          </a:xfrm>
+          <a:prstGeom prst="rightArrow">
+            <a:avLst/>
+          </a:prstGeom>
+          <a:noFill/>
+        </p:spPr>
+        <p:style>
+          <a:lnRef idx="2">
+            <a:schemeClr val="accent1">
+              <a:shade val="15000"/>
+            </a:schemeClr>
+          </a:lnRef>
+          <a:fillRef idx="1">
+            <a:schemeClr val="accent1"/>
+          </a:fillRef>
+          <a:effectRef idx="0">
+            <a:schemeClr val="accent1"/>
+          </a:effectRef>
+          <a:fontRef idx="minor">
+            <a:schemeClr val="lt1"/>
+          </a:fontRef>
+        </p:style>
+        <p:txBody>
+          <a:bodyPr rtlCol="0" anchor="ctr"/>
+          <a:lstStyle/>
+          <a:p>
+            <a:pPr algn="ctr"/>
+            <a:endParaRPr lang="en-CA"/>
+          </a:p>
+        </p:txBody>
+      </p:sp>
     </p:spTree>
     <p:extLst>
       <p:ext uri="{BB962C8B-B14F-4D97-AF65-F5344CB8AC3E}">
@@ -3769,31 +3790,41 @@
           </a:p>
         </p:txBody>
       </p:sp>
-      <p:sp>
-        <p:nvSpPr>
-          <p:cNvPr id="3" name="Content Placeholder 2">
-            <a:extLst>
-              <a:ext uri="{FF2B5EF4-FFF2-40B4-BE49-F238E27FC236}">
-                <a16:creationId xmlns:a16="http://schemas.microsoft.com/office/drawing/2014/main" id="{E3BCE912-30A5-701F-B96B-A7367894DE92}"/>
-              </a:ext>
-            </a:extLst>
-          </p:cNvPr>
-          <p:cNvSpPr>
-            <a:spLocks noGrp="1"/>
-          </p:cNvSpPr>
+      <p:pic>
+        <p:nvPicPr>
+          <p:cNvPr id="5" name="Content Placeholder 4" descr="A graph of blue bars&#10;&#10;Description automatically generated with medium confidence">
+            <a:extLst>
+              <a:ext uri="{FF2B5EF4-FFF2-40B4-BE49-F238E27FC236}">
+                <a16:creationId xmlns:a16="http://schemas.microsoft.com/office/drawing/2014/main" id="{D08BAF3A-65E4-DDB0-AC91-EF5F17A06FA9}"/>
+              </a:ext>
+            </a:extLst>
+          </p:cNvPr>
+          <p:cNvPicPr>
+            <a:picLocks noGrp="1" noChangeAspect="1"/>
+          </p:cNvPicPr>
           <p:nvPr>
             <p:ph idx="1"/>
           </p:nvPr>
-        </p:nvSpPr>
-        <p:spPr/>
-        <p:txBody>
-          <a:bodyPr/>
-          <a:lstStyle/>
-          <a:p>
-            <a:endParaRPr lang="en-CA"/>
-          </a:p>
-        </p:txBody>
-      </p:sp>
+        </p:nvPicPr>
+        <p:blipFill>
+          <a:blip r:embed="rId2">
+            <a:extLst>
+              <a:ext uri="{28A0092B-C50C-407E-A947-70E740481C1C}">
+                <a14:useLocalDpi xmlns:a14="http://schemas.microsoft.com/office/drawing/2010/main" val="0"/>
+              </a:ext>
+            </a:extLst>
+          </a:blip>
+          <a:stretch>
+            <a:fillRect/>
+          </a:stretch>
+        </p:blipFill>
+        <p:spPr>
+          <a:xfrm>
+            <a:off x="1598791" y="2052156"/>
+            <a:ext cx="7872984" cy="3794760"/>
+          </a:xfrm>
+        </p:spPr>
+      </p:pic>
     </p:spTree>
     <p:extLst>
       <p:ext uri="{BB962C8B-B14F-4D97-AF65-F5344CB8AC3E}">
@@ -3847,37 +3878,47 @@
           <a:p>
             <a:r>
               <a:rPr lang="en-US" dirty="0"/>
-              <a:t>ETL: the biggest headache</a:t>
+              <a:t>Training data: sales for the past 10 years</a:t>
             </a:r>
             <a:endParaRPr lang="en-CA" dirty="0"/>
           </a:p>
         </p:txBody>
       </p:sp>
-      <p:sp>
-        <p:nvSpPr>
-          <p:cNvPr id="3" name="Content Placeholder 2">
-            <a:extLst>
-              <a:ext uri="{FF2B5EF4-FFF2-40B4-BE49-F238E27FC236}">
-                <a16:creationId xmlns:a16="http://schemas.microsoft.com/office/drawing/2014/main" id="{73C16E6D-FD20-755D-7FD4-CDF5AC3B1FFA}"/>
-              </a:ext>
-            </a:extLst>
-          </p:cNvPr>
-          <p:cNvSpPr>
-            <a:spLocks noGrp="1"/>
-          </p:cNvSpPr>
+      <p:pic>
+        <p:nvPicPr>
+          <p:cNvPr id="25" name="Content Placeholder 24" descr="A graph showing a line of a graph&#10;&#10;Description automatically generated with medium confidence">
+            <a:extLst>
+              <a:ext uri="{FF2B5EF4-FFF2-40B4-BE49-F238E27FC236}">
+                <a16:creationId xmlns:a16="http://schemas.microsoft.com/office/drawing/2014/main" id="{93DE79EA-480A-302C-B8AB-68D5CE092A56}"/>
+              </a:ext>
+            </a:extLst>
+          </p:cNvPr>
+          <p:cNvPicPr>
+            <a:picLocks noGrp="1" noChangeAspect="1"/>
+          </p:cNvPicPr>
           <p:nvPr>
             <p:ph idx="1"/>
           </p:nvPr>
-        </p:nvSpPr>
-        <p:spPr/>
-        <p:txBody>
-          <a:bodyPr/>
-          <a:lstStyle/>
-          <a:p>
-            <a:endParaRPr lang="en-CA" dirty="0"/>
-          </a:p>
-        </p:txBody>
-      </p:sp>
+        </p:nvPicPr>
+        <p:blipFill>
+          <a:blip r:embed="rId2">
+            <a:extLst>
+              <a:ext uri="{28A0092B-C50C-407E-A947-70E740481C1C}">
+                <a14:useLocalDpi xmlns:a14="http://schemas.microsoft.com/office/drawing/2010/main" val="0"/>
+              </a:ext>
+            </a:extLst>
+          </a:blip>
+          <a:stretch>
+            <a:fillRect/>
+          </a:stretch>
+        </p:blipFill>
+        <p:spPr>
+          <a:xfrm>
+            <a:off x="1744662" y="1825625"/>
+            <a:ext cx="8702676" cy="4351338"/>
+          </a:xfrm>
+        </p:spPr>
+      </p:pic>
     </p:spTree>
     <p:extLst>
       <p:ext uri="{BB962C8B-B14F-4D97-AF65-F5344CB8AC3E}">
@@ -3913,6 +3954,359 @@
           <p:cNvPr id="2" name="Title 1">
             <a:extLst>
               <a:ext uri="{FF2B5EF4-FFF2-40B4-BE49-F238E27FC236}">
+                <a16:creationId xmlns:a16="http://schemas.microsoft.com/office/drawing/2014/main" id="{DF85BA5E-E43B-E415-9862-57BEA4B2D3F6}"/>
+              </a:ext>
+            </a:extLst>
+          </p:cNvPr>
+          <p:cNvSpPr>
+            <a:spLocks noGrp="1"/>
+          </p:cNvSpPr>
+          <p:nvPr>
+            <p:ph type="title"/>
+          </p:nvPr>
+        </p:nvSpPr>
+        <p:spPr/>
+        <p:txBody>
+          <a:bodyPr/>
+          <a:lstStyle/>
+          <a:p>
+            <a:r>
+              <a:rPr lang="en-CA" dirty="0"/>
+              <a:t>ARIMA model selection: detrending by differencing</a:t>
+            </a:r>
+          </a:p>
+        </p:txBody>
+      </p:sp>
+      <p:pic>
+        <p:nvPicPr>
+          <p:cNvPr id="4" name="Picture 3">
+            <a:extLst>
+              <a:ext uri="{FF2B5EF4-FFF2-40B4-BE49-F238E27FC236}">
+                <a16:creationId xmlns:a16="http://schemas.microsoft.com/office/drawing/2014/main" id="{A7F33A83-6495-4522-0720-21FF9FF56AC0}"/>
+              </a:ext>
+            </a:extLst>
+          </p:cNvPr>
+          <p:cNvPicPr>
+            <a:picLocks noChangeAspect="1"/>
+          </p:cNvPicPr>
+          <p:nvPr/>
+        </p:nvPicPr>
+        <p:blipFill>
+          <a:blip r:embed="rId2"/>
+          <a:stretch>
+            <a:fillRect/>
+          </a:stretch>
+        </p:blipFill>
+        <p:spPr>
+          <a:xfrm>
+            <a:off x="2762250" y="1818640"/>
+            <a:ext cx="6667500" cy="4114800"/>
+          </a:xfrm>
+          <a:prstGeom prst="rect">
+            <a:avLst/>
+          </a:prstGeom>
+        </p:spPr>
+      </p:pic>
+    </p:spTree>
+    <p:extLst>
+      <p:ext uri="{BB962C8B-B14F-4D97-AF65-F5344CB8AC3E}">
+        <p14:creationId xmlns:p14="http://schemas.microsoft.com/office/powerpoint/2010/main" val="2144454198"/>
+      </p:ext>
+    </p:extLst>
+  </p:cSld>
+  <p:clrMapOvr>
+    <a:masterClrMapping/>
+  </p:clrMapOvr>
+</p:sld>
+</file>
+
+<file path=ppt/slides/slide7.xml><?xml version="1.0" encoding="utf-8"?>
+<p:sld xmlns:a="http://schemas.openxmlformats.org/drawingml/2006/main" xmlns:r="http://schemas.openxmlformats.org/officeDocument/2006/relationships" xmlns:p="http://schemas.openxmlformats.org/presentationml/2006/main">
+  <p:cSld>
+    <p:spTree>
+      <p:nvGrpSpPr>
+        <p:cNvPr id="1" name=""/>
+        <p:cNvGrpSpPr/>
+        <p:nvPr/>
+      </p:nvGrpSpPr>
+      <p:grpSpPr>
+        <a:xfrm>
+          <a:off x="0" y="0"/>
+          <a:ext cx="0" cy="0"/>
+          <a:chOff x="0" y="0"/>
+          <a:chExt cx="0" cy="0"/>
+        </a:xfrm>
+      </p:grpSpPr>
+      <p:pic>
+        <p:nvPicPr>
+          <p:cNvPr id="4" name="Content Placeholder 3">
+            <a:extLst>
+              <a:ext uri="{FF2B5EF4-FFF2-40B4-BE49-F238E27FC236}">
+                <a16:creationId xmlns:a16="http://schemas.microsoft.com/office/drawing/2014/main" id="{6B2DD7AE-6947-73EE-01C6-2DA0843FD8E2}"/>
+              </a:ext>
+            </a:extLst>
+          </p:cNvPr>
+          <p:cNvPicPr>
+            <a:picLocks noGrp="1" noChangeAspect="1"/>
+          </p:cNvPicPr>
+          <p:nvPr>
+            <p:ph idx="1"/>
+          </p:nvPr>
+        </p:nvPicPr>
+        <p:blipFill>
+          <a:blip r:embed="rId2"/>
+          <a:stretch>
+            <a:fillRect/>
+          </a:stretch>
+        </p:blipFill>
+        <p:spPr>
+          <a:xfrm>
+            <a:off x="1986945" y="1544320"/>
+            <a:ext cx="7463125" cy="4605814"/>
+          </a:xfrm>
+          <a:prstGeom prst="rect">
+            <a:avLst/>
+          </a:prstGeom>
+        </p:spPr>
+      </p:pic>
+      <p:sp>
+        <p:nvSpPr>
+          <p:cNvPr id="6" name="Title 5">
+            <a:extLst>
+              <a:ext uri="{FF2B5EF4-FFF2-40B4-BE49-F238E27FC236}">
+                <a16:creationId xmlns:a16="http://schemas.microsoft.com/office/drawing/2014/main" id="{99CBCF4C-2D27-E22B-A2BE-B1229942275F}"/>
+              </a:ext>
+            </a:extLst>
+          </p:cNvPr>
+          <p:cNvSpPr>
+            <a:spLocks noGrp="1"/>
+          </p:cNvSpPr>
+          <p:nvPr>
+            <p:ph type="title"/>
+          </p:nvPr>
+        </p:nvSpPr>
+        <p:spPr/>
+        <p:txBody>
+          <a:bodyPr>
+            <a:normAutofit/>
+          </a:bodyPr>
+          <a:lstStyle/>
+          <a:p>
+            <a:r>
+              <a:rPr lang="en-CA" dirty="0"/>
+              <a:t>ARIMA model selection: ACF and PACF</a:t>
+            </a:r>
+          </a:p>
+        </p:txBody>
+      </p:sp>
+      <p:sp>
+        <p:nvSpPr>
+          <p:cNvPr id="7" name="Title 1">
+            <a:extLst>
+              <a:ext uri="{FF2B5EF4-FFF2-40B4-BE49-F238E27FC236}">
+                <a16:creationId xmlns:a16="http://schemas.microsoft.com/office/drawing/2014/main" id="{27F0AD1F-0320-21B7-A07C-D336686B2812}"/>
+              </a:ext>
+            </a:extLst>
+          </p:cNvPr>
+          <p:cNvSpPr txBox="1">
+            <a:spLocks/>
+          </p:cNvSpPr>
+          <p:nvPr/>
+        </p:nvSpPr>
+        <p:spPr>
+          <a:xfrm>
+            <a:off x="746760" y="1381125"/>
+            <a:ext cx="10515600" cy="1325563"/>
+          </a:xfrm>
+          <a:prstGeom prst="rect">
+            <a:avLst/>
+          </a:prstGeom>
+        </p:spPr>
+        <p:txBody>
+          <a:bodyPr vert="horz" lIns="91440" tIns="45720" rIns="91440" bIns="45720" rtlCol="0" anchor="ctr">
+            <a:normAutofit/>
+          </a:bodyPr>
+          <a:lstStyle>
+            <a:lvl1pPr algn="l" defTabSz="914400" rtl="0" eaLnBrk="1" latinLnBrk="0" hangingPunct="1">
+              <a:lnSpc>
+                <a:spcPct val="90000"/>
+              </a:lnSpc>
+              <a:spcBef>
+                <a:spcPct val="0"/>
+              </a:spcBef>
+              <a:buNone/>
+              <a:defRPr sz="4400" kern="1200">
+                <a:solidFill>
+                  <a:schemeClr val="tx1"/>
+                </a:solidFill>
+                <a:latin typeface="+mj-lt"/>
+                <a:ea typeface="+mj-ea"/>
+                <a:cs typeface="+mj-cs"/>
+              </a:defRPr>
+            </a:lvl1pPr>
+          </a:lstStyle>
+          <a:p>
+            <a:endParaRPr lang="en-CA" dirty="0"/>
+          </a:p>
+        </p:txBody>
+      </p:sp>
+    </p:spTree>
+    <p:extLst>
+      <p:ext uri="{BB962C8B-B14F-4D97-AF65-F5344CB8AC3E}">
+        <p14:creationId xmlns:p14="http://schemas.microsoft.com/office/powerpoint/2010/main" val="374504264"/>
+      </p:ext>
+    </p:extLst>
+  </p:cSld>
+  <p:clrMapOvr>
+    <a:masterClrMapping/>
+  </p:clrMapOvr>
+</p:sld>
+</file>
+
+<file path=ppt/slides/slide8.xml><?xml version="1.0" encoding="utf-8"?>
+<p:sld xmlns:a="http://schemas.openxmlformats.org/drawingml/2006/main" xmlns:r="http://schemas.openxmlformats.org/officeDocument/2006/relationships" xmlns:p="http://schemas.openxmlformats.org/presentationml/2006/main">
+  <p:cSld>
+    <p:spTree>
+      <p:nvGrpSpPr>
+        <p:cNvPr id="1" name=""/>
+        <p:cNvGrpSpPr/>
+        <p:nvPr/>
+      </p:nvGrpSpPr>
+      <p:grpSpPr>
+        <a:xfrm>
+          <a:off x="0" y="0"/>
+          <a:ext cx="0" cy="0"/>
+          <a:chOff x="0" y="0"/>
+          <a:chExt cx="0" cy="0"/>
+        </a:xfrm>
+      </p:grpSpPr>
+      <p:sp>
+        <p:nvSpPr>
+          <p:cNvPr id="2" name="Title 1">
+            <a:extLst>
+              <a:ext uri="{FF2B5EF4-FFF2-40B4-BE49-F238E27FC236}">
+                <a16:creationId xmlns:a16="http://schemas.microsoft.com/office/drawing/2014/main" id="{C68C2BC4-5250-4868-5127-B7E6A32260A4}"/>
+              </a:ext>
+            </a:extLst>
+          </p:cNvPr>
+          <p:cNvSpPr>
+            <a:spLocks noGrp="1"/>
+          </p:cNvSpPr>
+          <p:nvPr>
+            <p:ph type="title"/>
+          </p:nvPr>
+        </p:nvSpPr>
+        <p:spPr/>
+        <p:txBody>
+          <a:bodyPr>
+            <a:normAutofit/>
+          </a:bodyPr>
+          <a:lstStyle/>
+          <a:p>
+            <a:r>
+              <a:rPr lang="en-CA" dirty="0"/>
+              <a:t>ARIMA model selection: models</a:t>
+            </a:r>
+          </a:p>
+        </p:txBody>
+      </p:sp>
+      <p:pic>
+        <p:nvPicPr>
+          <p:cNvPr id="4" name="Content Placeholder 3">
+            <a:extLst>
+              <a:ext uri="{FF2B5EF4-FFF2-40B4-BE49-F238E27FC236}">
+                <a16:creationId xmlns:a16="http://schemas.microsoft.com/office/drawing/2014/main" id="{39248AED-62DB-4466-C8AB-7A3B5C2BFF0C}"/>
+              </a:ext>
+            </a:extLst>
+          </p:cNvPr>
+          <p:cNvPicPr>
+            <a:picLocks noGrp="1" noChangeAspect="1"/>
+          </p:cNvPicPr>
+          <p:nvPr>
+            <p:ph idx="1"/>
+          </p:nvPr>
+        </p:nvPicPr>
+        <p:blipFill>
+          <a:blip r:embed="rId2"/>
+          <a:stretch>
+            <a:fillRect/>
+          </a:stretch>
+        </p:blipFill>
+        <p:spPr>
+          <a:xfrm>
+            <a:off x="838200" y="1771174"/>
+            <a:ext cx="5176520" cy="4114800"/>
+          </a:xfrm>
+          <a:prstGeom prst="rect">
+            <a:avLst/>
+          </a:prstGeom>
+        </p:spPr>
+      </p:pic>
+      <p:pic>
+        <p:nvPicPr>
+          <p:cNvPr id="6" name="Picture 5">
+            <a:extLst>
+              <a:ext uri="{FF2B5EF4-FFF2-40B4-BE49-F238E27FC236}">
+                <a16:creationId xmlns:a16="http://schemas.microsoft.com/office/drawing/2014/main" id="{C0E3BC16-9326-E296-5020-7C06FF7DA56E}"/>
+              </a:ext>
+            </a:extLst>
+          </p:cNvPr>
+          <p:cNvPicPr>
+            <a:picLocks noChangeAspect="1"/>
+          </p:cNvPicPr>
+          <p:nvPr/>
+        </p:nvPicPr>
+        <p:blipFill>
+          <a:blip r:embed="rId3"/>
+          <a:stretch>
+            <a:fillRect/>
+          </a:stretch>
+        </p:blipFill>
+        <p:spPr>
+          <a:xfrm>
+            <a:off x="6274676" y="1771174"/>
+            <a:ext cx="5079124" cy="4114800"/>
+          </a:xfrm>
+          <a:prstGeom prst="rect">
+            <a:avLst/>
+          </a:prstGeom>
+        </p:spPr>
+      </p:pic>
+    </p:spTree>
+    <p:extLst>
+      <p:ext uri="{BB962C8B-B14F-4D97-AF65-F5344CB8AC3E}">
+        <p14:creationId xmlns:p14="http://schemas.microsoft.com/office/powerpoint/2010/main" val="612656460"/>
+      </p:ext>
+    </p:extLst>
+  </p:cSld>
+  <p:clrMapOvr>
+    <a:masterClrMapping/>
+  </p:clrMapOvr>
+</p:sld>
+</file>
+
+<file path=ppt/slides/slide9.xml><?xml version="1.0" encoding="utf-8"?>
+<p:sld xmlns:a="http://schemas.openxmlformats.org/drawingml/2006/main" xmlns:r="http://schemas.openxmlformats.org/officeDocument/2006/relationships" xmlns:p="http://schemas.openxmlformats.org/presentationml/2006/main">
+  <p:cSld>
+    <p:spTree>
+      <p:nvGrpSpPr>
+        <p:cNvPr id="1" name=""/>
+        <p:cNvGrpSpPr/>
+        <p:nvPr/>
+      </p:nvGrpSpPr>
+      <p:grpSpPr>
+        <a:xfrm>
+          <a:off x="0" y="0"/>
+          <a:ext cx="0" cy="0"/>
+          <a:chOff x="0" y="0"/>
+          <a:chExt cx="0" cy="0"/>
+        </a:xfrm>
+      </p:grpSpPr>
+      <p:sp>
+        <p:nvSpPr>
+          <p:cNvPr id="2" name="Title 1">
+            <a:extLst>
+              <a:ext uri="{FF2B5EF4-FFF2-40B4-BE49-F238E27FC236}">
                 <a16:creationId xmlns:a16="http://schemas.microsoft.com/office/drawing/2014/main" id="{7532829B-8F26-A5E2-7648-CD312A4A216F}"/>
               </a:ext>
             </a:extLst>
@@ -3931,36 +4325,46 @@
           <a:p>
             <a:r>
               <a:rPr lang="en-CA" dirty="0"/>
-              <a:t>Looking forward: web-based forecast portal</a:t>
-            </a:r>
-          </a:p>
-        </p:txBody>
-      </p:sp>
-      <p:sp>
-        <p:nvSpPr>
-          <p:cNvPr id="3" name="Content Placeholder 2">
-            <a:extLst>
-              <a:ext uri="{FF2B5EF4-FFF2-40B4-BE49-F238E27FC236}">
-                <a16:creationId xmlns:a16="http://schemas.microsoft.com/office/drawing/2014/main" id="{BBEE809A-CF57-0127-104C-23BDEEDA792F}"/>
-              </a:ext>
-            </a:extLst>
-          </p:cNvPr>
-          <p:cNvSpPr>
-            <a:spLocks noGrp="1"/>
-          </p:cNvSpPr>
+              <a:t>ARIMA: approach that does not work</a:t>
+            </a:r>
+          </a:p>
+        </p:txBody>
+      </p:sp>
+      <p:pic>
+        <p:nvPicPr>
+          <p:cNvPr id="13" name="Content Placeholder 12" descr="A graph showing the number of the company's data&#10;&#10;Description automatically generated with medium confidence">
+            <a:extLst>
+              <a:ext uri="{FF2B5EF4-FFF2-40B4-BE49-F238E27FC236}">
+                <a16:creationId xmlns:a16="http://schemas.microsoft.com/office/drawing/2014/main" id="{B2807CFC-77C8-7588-0FA2-FB673476C59C}"/>
+              </a:ext>
+            </a:extLst>
+          </p:cNvPr>
+          <p:cNvPicPr>
+            <a:picLocks noGrp="1" noChangeAspect="1"/>
+          </p:cNvPicPr>
           <p:nvPr>
             <p:ph idx="1"/>
           </p:nvPr>
-        </p:nvSpPr>
-        <p:spPr/>
-        <p:txBody>
-          <a:bodyPr/>
-          <a:lstStyle/>
-          <a:p>
-            <a:endParaRPr lang="en-CA" dirty="0"/>
-          </a:p>
-        </p:txBody>
-      </p:sp>
+        </p:nvPicPr>
+        <p:blipFill>
+          <a:blip r:embed="rId2">
+            <a:extLst>
+              <a:ext uri="{28A0092B-C50C-407E-A947-70E740481C1C}">
+                <a14:useLocalDpi xmlns:a14="http://schemas.microsoft.com/office/drawing/2010/main" val="0"/>
+              </a:ext>
+            </a:extLst>
+          </a:blip>
+          <a:stretch>
+            <a:fillRect/>
+          </a:stretch>
+        </p:blipFill>
+        <p:spPr>
+          <a:xfrm>
+            <a:off x="1798320" y="1845945"/>
+            <a:ext cx="9248458" cy="4351338"/>
+          </a:xfrm>
+        </p:spPr>
+      </p:pic>
     </p:spTree>
     <p:extLst>
       <p:ext uri="{BB962C8B-B14F-4D97-AF65-F5344CB8AC3E}">
